--- a/CAES9542 Wk1.pptx
+++ b/CAES9542 Wk1.pptx
@@ -7739,7 +7739,7 @@
           <a:p>
             <a:r>
               <a:rPr lang="en-CA" dirty="0"/>
-              <a:t>Further Development</a:t>
+              <a:t>Further Planning</a:t>
             </a:r>
           </a:p>
         </p:txBody>
@@ -7775,6 +7775,17 @@
               <a:rPr lang="en-CA" sz="2000" dirty="0"/>
               <a:t>Completing the recommender system</a:t>
             </a:r>
+          </a:p>
+          <a:p>
+            <a:r>
+              <a:rPr lang="en-CA" sz="2000" dirty="0"/>
+              <a:t>Creating the mobile platform </a:t>
+            </a:r>
+            <a:r>
+              <a:rPr lang="en-CA" sz="2000"/>
+              <a:t>for the users</a:t>
+            </a:r>
+            <a:endParaRPr lang="en-CA" sz="2000" dirty="0"/>
           </a:p>
           <a:p>
             <a:endParaRPr lang="en-CA" dirty="0"/>
@@ -8036,9 +8047,10 @@
           <a:lstStyle/>
           <a:p>
             <a:r>
-              <a:rPr lang="en-CA" dirty="0"/>
-              <a:t>Content</a:t>
+              <a:rPr lang="en-CA"/>
+              <a:t>Outline</a:t>
             </a:r>
+            <a:endParaRPr lang="en-CA" dirty="0"/>
           </a:p>
         </p:txBody>
       </p:sp>
@@ -8083,7 +8095,7 @@
           <a:p>
             <a:r>
               <a:rPr lang="en-CA" sz="2000" dirty="0"/>
-              <a:t>Further Design/Plan </a:t>
+              <a:t>Further Planning </a:t>
             </a:r>
           </a:p>
           <a:p>
@@ -9002,7 +9014,7 @@
         </p:blipFill>
         <p:spPr bwMode="auto">
           <a:xfrm>
-            <a:off x="7834046" y="1753028"/>
+            <a:off x="7702040" y="1753028"/>
             <a:ext cx="2234629" cy="1675972"/>
           </a:xfrm>
           <a:prstGeom prst="rect">
@@ -9049,7 +9061,7 @@
         </p:blipFill>
         <p:spPr bwMode="auto">
           <a:xfrm>
-            <a:off x="7937953" y="3921091"/>
+            <a:off x="6317967" y="3863340"/>
             <a:ext cx="2768147" cy="1845431"/>
           </a:xfrm>
           <a:prstGeom prst="rect">
@@ -9096,8 +9108,8 @@
         </p:blipFill>
         <p:spPr bwMode="auto">
           <a:xfrm>
-            <a:off x="5557196" y="3863340"/>
-            <a:ext cx="2105025" cy="2171700"/>
+            <a:off x="9440427" y="3863340"/>
+            <a:ext cx="1788773" cy="1845431"/>
           </a:xfrm>
           <a:prstGeom prst="rect">
             <a:avLst/>
@@ -10258,21 +10270,21 @@
 </file>
 
 <file path=customXml/item2.xml><?xml version="1.0" encoding="utf-8"?>
+<p:properties xmlns:p="http://schemas.microsoft.com/office/2006/metadata/properties" xmlns:xsi="http://www.w3.org/2001/XMLSchema-instance" xmlns:pc="http://schemas.microsoft.com/office/infopath/2007/PartnerControls">
+  <documentManagement>
+    <Status xmlns="71af3243-3dd4-4a8d-8c0d-dd76da1f02a5">Not started</Status>
+    <MediaServiceKeyPoints xmlns="71af3243-3dd4-4a8d-8c0d-dd76da1f02a5" xsi:nil="true"/>
+  </documentManagement>
+</p:properties>
+</file>
+
+<file path=customXml/item3.xml><?xml version="1.0" encoding="utf-8"?>
 <?mso-contentType ?>
 <FormTemplates xmlns="http://schemas.microsoft.com/sharepoint/v3/contenttype/forms">
   <Display>DocumentLibraryForm</Display>
   <Edit>DocumentLibraryForm</Edit>
   <New>DocumentLibraryForm</New>
 </FormTemplates>
-</file>
-
-<file path=customXml/item3.xml><?xml version="1.0" encoding="utf-8"?>
-<p:properties xmlns:p="http://schemas.microsoft.com/office/2006/metadata/properties" xmlns:xsi="http://www.w3.org/2001/XMLSchema-instance" xmlns:pc="http://schemas.microsoft.com/office/infopath/2007/PartnerControls">
-  <documentManagement>
-    <Status xmlns="71af3243-3dd4-4a8d-8c0d-dd76da1f02a5">Not started</Status>
-    <MediaServiceKeyPoints xmlns="71af3243-3dd4-4a8d-8c0d-dd76da1f02a5" xsi:nil="true"/>
-  </documentManagement>
-</p:properties>
 </file>
 
 <file path=customXml/itemProps1.xml><?xml version="1.0" encoding="utf-8"?>
@@ -10295,14 +10307,6 @@
 </file>
 
 <file path=customXml/itemProps2.xml><?xml version="1.0" encoding="utf-8"?>
-<ds:datastoreItem xmlns:ds="http://schemas.openxmlformats.org/officeDocument/2006/customXml" ds:itemID="{CDB58277-F8DF-46FF-84EC-EF41B835E69F}">
-  <ds:schemaRefs>
-    <ds:schemaRef ds:uri="http://schemas.microsoft.com/sharepoint/v3/contenttype/forms"/>
-  </ds:schemaRefs>
-</ds:datastoreItem>
-</file>
-
-<file path=customXml/itemProps3.xml><?xml version="1.0" encoding="utf-8"?>
 <ds:datastoreItem xmlns:ds="http://schemas.openxmlformats.org/officeDocument/2006/customXml" ds:itemID="{137651BA-F45C-4845-9AB3-E0A65B39F5E1}">
   <ds:schemaRefs>
     <ds:schemaRef ds:uri="http://schemas.microsoft.com/office/2006/metadata/properties"/>
@@ -10310,4 +10314,12 @@
     <ds:schemaRef ds:uri="71af3243-3dd4-4a8d-8c0d-dd76da1f02a5"/>
   </ds:schemaRefs>
 </ds:datastoreItem>
+</file>
+
+<file path=customXml/itemProps3.xml><?xml version="1.0" encoding="utf-8"?>
+<ds:datastoreItem xmlns:ds="http://schemas.openxmlformats.org/officeDocument/2006/customXml" ds:itemID="{CDB58277-F8DF-46FF-84EC-EF41B835E69F}">
+  <ds:schemaRefs>
+    <ds:schemaRef ds:uri="http://schemas.microsoft.com/sharepoint/v3/contenttype/forms"/>
+  </ds:schemaRefs>
+</ds:datastoreItem>
 </file>
--- a/CAES9542 Wk1.pptx
+++ b/CAES9542 Wk1.pptx
@@ -7651,7 +7651,7 @@
           <a:p>
             <a:r>
               <a:rPr lang="en-CA" dirty="0"/>
-              <a:t>Gantt Chart</a:t>
+              <a:t>Gantt Chart(Project Planning)</a:t>
             </a:r>
           </a:p>
         </p:txBody>
@@ -7738,9 +7738,10 @@
           <a:lstStyle/>
           <a:p>
             <a:r>
-              <a:rPr lang="en-CA" dirty="0"/>
-              <a:t>Further Planning</a:t>
+              <a:rPr lang="en-CA"/>
+              <a:t>Further Development</a:t>
             </a:r>
+            <a:endParaRPr lang="en-CA" dirty="0"/>
           </a:p>
         </p:txBody>
       </p:sp>
@@ -8047,10 +8048,9 @@
           <a:lstStyle/>
           <a:p>
             <a:r>
-              <a:rPr lang="en-CA"/>
+              <a:rPr lang="en-CA" dirty="0"/>
               <a:t>Outline</a:t>
             </a:r>
-            <a:endParaRPr lang="en-CA" dirty="0"/>
           </a:p>
         </p:txBody>
       </p:sp>
@@ -8095,7 +8095,13 @@
           <a:p>
             <a:r>
               <a:rPr lang="en-CA" sz="2000" dirty="0"/>
-              <a:t>Further Planning </a:t>
+              <a:t>Project Planning</a:t>
+            </a:r>
+          </a:p>
+          <a:p>
+            <a:r>
+              <a:rPr lang="en-CA" sz="2000" dirty="0"/>
+              <a:t>Further Development  </a:t>
             </a:r>
           </a:p>
           <a:p>
